--- a/apps/web/public/JCR logo designs.pptx
+++ b/apps/web/public/JCR logo designs.pptx
@@ -143,6 +143,62 @@
 
 <file path=ppt/changesInfos/changesInfo1.xml><?xml version="1.0" encoding="utf-8"?>
 <pc:chgInfo xmlns:a="http://schemas.openxmlformats.org/drawingml/2006/main" xmlns:r="http://schemas.openxmlformats.org/officeDocument/2006/relationships" xmlns:ac="http://schemas.microsoft.com/office/drawing/2013/main/command" xmlns:pc="http://schemas.microsoft.com/office/powerpoint/2013/main/command">
+  <pc:docChgLst>
+    <pc:chgData name="Mohit  Jain" userId="ed068e90-cc0b-4dc1-9040-9d73d17d250e" providerId="ADAL" clId="{AF6A0D10-07AF-42AA-A8BE-6A0DCD6859B2}"/>
+    <pc:docChg chg="custSel modSld">
+      <pc:chgData name="Mohit  Jain" userId="ed068e90-cc0b-4dc1-9040-9d73d17d250e" providerId="ADAL" clId="{AF6A0D10-07AF-42AA-A8BE-6A0DCD6859B2}" dt="2025-01-31T11:45:30.009" v="21" actId="1076"/>
+      <pc:docMkLst>
+        <pc:docMk/>
+      </pc:docMkLst>
+      <pc:sldChg chg="delSp modSp mod">
+        <pc:chgData name="Mohit  Jain" userId="ed068e90-cc0b-4dc1-9040-9d73d17d250e" providerId="ADAL" clId="{AF6A0D10-07AF-42AA-A8BE-6A0DCD6859B2}" dt="2025-01-31T11:45:30.009" v="21" actId="1076"/>
+        <pc:sldMkLst>
+          <pc:docMk/>
+          <pc:sldMk cId="1264924907" sldId="280"/>
+        </pc:sldMkLst>
+        <pc:spChg chg="mod">
+          <ac:chgData name="Mohit  Jain" userId="ed068e90-cc0b-4dc1-9040-9d73d17d250e" providerId="ADAL" clId="{AF6A0D10-07AF-42AA-A8BE-6A0DCD6859B2}" dt="2025-01-31T11:45:30.009" v="21" actId="1076"/>
+          <ac:spMkLst>
+            <pc:docMk/>
+            <pc:sldMk cId="1264924907" sldId="280"/>
+            <ac:spMk id="4" creationId="{8CD04E6C-9038-90D4-CA81-33ED6CC7092A}"/>
+          </ac:spMkLst>
+        </pc:spChg>
+        <pc:spChg chg="mod">
+          <ac:chgData name="Mohit  Jain" userId="ed068e90-cc0b-4dc1-9040-9d73d17d250e" providerId="ADAL" clId="{AF6A0D10-07AF-42AA-A8BE-6A0DCD6859B2}" dt="2025-01-31T11:45:16.952" v="18" actId="1076"/>
+          <ac:spMkLst>
+            <pc:docMk/>
+            <pc:sldMk cId="1264924907" sldId="280"/>
+            <ac:spMk id="5" creationId="{EDE2695B-FAEC-9797-61B8-A031AD434ACA}"/>
+          </ac:spMkLst>
+        </pc:spChg>
+        <pc:picChg chg="mod">
+          <ac:chgData name="Mohit  Jain" userId="ed068e90-cc0b-4dc1-9040-9d73d17d250e" providerId="ADAL" clId="{AF6A0D10-07AF-42AA-A8BE-6A0DCD6859B2}" dt="2025-01-31T11:45:08.702" v="16" actId="14100"/>
+          <ac:picMkLst>
+            <pc:docMk/>
+            <pc:sldMk cId="1264924907" sldId="280"/>
+            <ac:picMk id="3" creationId="{A8457194-D54D-C34A-71D3-5427F7896E12}"/>
+          </ac:picMkLst>
+        </pc:picChg>
+        <pc:picChg chg="del mod">
+          <ac:chgData name="Mohit  Jain" userId="ed068e90-cc0b-4dc1-9040-9d73d17d250e" providerId="ADAL" clId="{AF6A0D10-07AF-42AA-A8BE-6A0DCD6859B2}" dt="2025-01-31T11:25:09.663" v="8" actId="478"/>
+          <ac:picMkLst>
+            <pc:docMk/>
+            <pc:sldMk cId="1264924907" sldId="280"/>
+            <ac:picMk id="6" creationId="{A2E5F3DA-D786-8991-B4B4-9BBF1EDC7713}"/>
+          </ac:picMkLst>
+        </pc:picChg>
+        <pc:picChg chg="mod">
+          <ac:chgData name="Mohit  Jain" userId="ed068e90-cc0b-4dc1-9040-9d73d17d250e" providerId="ADAL" clId="{AF6A0D10-07AF-42AA-A8BE-6A0DCD6859B2}" dt="2025-01-31T11:45:13.896" v="17" actId="1076"/>
+          <ac:picMkLst>
+            <pc:docMk/>
+            <pc:sldMk cId="1264924907" sldId="280"/>
+            <ac:picMk id="20" creationId="{B799042B-4930-E067-431F-3324B64255D6}"/>
+          </ac:picMkLst>
+        </pc:picChg>
+      </pc:sldChg>
+    </pc:docChg>
+  </pc:docChgLst>
   <pc:docChgLst>
     <pc:chgData name="Mohit  Jain" userId="ed068e90-cc0b-4dc1-9040-9d73d17d250e" providerId="ADAL" clId="{9B0BCB1C-5E17-4241-BEB9-2E36E5437E0B}"/>
     <pc:docChg chg="undo redo custSel addSld delSld modSld sldOrd">
@@ -5896,8 +5952,8 @@
         </p:blipFill>
         <p:spPr>
           <a:xfrm>
-            <a:off x="3788229" y="1712687"/>
-            <a:ext cx="4049486" cy="1349828"/>
+            <a:off x="3499950" y="3523955"/>
+            <a:ext cx="4803056" cy="1435624"/>
           </a:xfrm>
           <a:prstGeom prst="rect">
             <a:avLst/>
@@ -5918,7 +5974,7 @@
         </p:nvSpPr>
         <p:spPr>
           <a:xfrm>
-            <a:off x="7675838" y="1852045"/>
+            <a:off x="7950279" y="3580047"/>
             <a:ext cx="705453" cy="1323439"/>
           </a:xfrm>
           <a:prstGeom prst="rect">
@@ -5968,7 +6024,7 @@
         </p:nvSpPr>
         <p:spPr>
           <a:xfrm>
-            <a:off x="2786743" y="1712687"/>
+            <a:off x="2579402" y="3440383"/>
             <a:ext cx="2146126" cy="1446550"/>
           </a:xfrm>
           <a:prstGeom prst="rect">
@@ -6020,10 +6076,10 @@
       </p:sp>
       <p:pic>
         <p:nvPicPr>
-          <p:cNvPr id="6" name="Picture 5">
-            <a:extLst>
-              <a:ext uri="{FF2B5EF4-FFF2-40B4-BE49-F238E27FC236}">
-                <a16:creationId xmlns:a16="http://schemas.microsoft.com/office/drawing/2014/main" id="{A2E5F3DA-D786-8991-B4B4-9BBF1EDC7713}"/>
+          <p:cNvPr id="20" name="Picture 19">
+            <a:extLst>
+              <a:ext uri="{FF2B5EF4-FFF2-40B4-BE49-F238E27FC236}">
+                <a16:creationId xmlns:a16="http://schemas.microsoft.com/office/drawing/2014/main" id="{B799042B-4930-E067-431F-3324B64255D6}"/>
               </a:ext>
             </a:extLst>
           </p:cNvPr>
@@ -6040,37 +6096,7 @@
         </p:blipFill>
         <p:spPr>
           <a:xfrm>
-            <a:off x="3904343" y="2569028"/>
-            <a:ext cx="3933372" cy="2075543"/>
-          </a:xfrm>
-          <a:prstGeom prst="rect">
-            <a:avLst/>
-          </a:prstGeom>
-        </p:spPr>
-      </p:pic>
-      <p:pic>
-        <p:nvPicPr>
-          <p:cNvPr id="20" name="Picture 19">
-            <a:extLst>
-              <a:ext uri="{FF2B5EF4-FFF2-40B4-BE49-F238E27FC236}">
-                <a16:creationId xmlns:a16="http://schemas.microsoft.com/office/drawing/2014/main" id="{B799042B-4930-E067-431F-3324B64255D6}"/>
-              </a:ext>
-            </a:extLst>
-          </p:cNvPr>
-          <p:cNvPicPr>
-            <a:picLocks noChangeAspect="1"/>
-          </p:cNvPicPr>
-          <p:nvPr/>
-        </p:nvPicPr>
-        <p:blipFill>
-          <a:blip r:embed="rId5"/>
-          <a:stretch>
-            <a:fillRect/>
-          </a:stretch>
-        </p:blipFill>
-        <p:spPr>
-          <a:xfrm>
-            <a:off x="2732103" y="454353"/>
+            <a:off x="2641356" y="331580"/>
             <a:ext cx="6277851" cy="1571844"/>
           </a:xfrm>
           <a:prstGeom prst="rect">

--- a/apps/web/public/JCR logo designs.pptx
+++ b/apps/web/public/JCR logo designs.pptx
@@ -32,6 +32,7 @@
     <p:sldId id="259" r:id="rId26"/>
     <p:sldId id="260" r:id="rId27"/>
     <p:sldId id="261" r:id="rId28"/>
+    <p:sldId id="287" r:id="rId29"/>
   </p:sldIdLst>
   <p:sldSz cx="12192000" cy="6858000"/>
   <p:notesSz cx="6858000" cy="9144000"/>
@@ -1758,7 +1759,7 @@
           <a:p>
             <a:fld id="{E749822F-7F73-4D01-BCAC-1F82D491747C}" type="datetimeFigureOut">
               <a:rPr lang="en-US" smtClean="0"/>
-              <a:t>1/31/2025</a:t>
+              <a:t>2/1/2025</a:t>
             </a:fld>
             <a:endParaRPr lang="en-US"/>
           </a:p>
@@ -1958,7 +1959,7 @@
           <a:p>
             <a:fld id="{E749822F-7F73-4D01-BCAC-1F82D491747C}" type="datetimeFigureOut">
               <a:rPr lang="en-US" smtClean="0"/>
-              <a:t>1/31/2025</a:t>
+              <a:t>2/1/2025</a:t>
             </a:fld>
             <a:endParaRPr lang="en-US"/>
           </a:p>
@@ -2168,7 +2169,7 @@
           <a:p>
             <a:fld id="{E749822F-7F73-4D01-BCAC-1F82D491747C}" type="datetimeFigureOut">
               <a:rPr lang="en-US" smtClean="0"/>
-              <a:t>1/31/2025</a:t>
+              <a:t>2/1/2025</a:t>
             </a:fld>
             <a:endParaRPr lang="en-US"/>
           </a:p>
@@ -2368,7 +2369,7 @@
           <a:p>
             <a:fld id="{E749822F-7F73-4D01-BCAC-1F82D491747C}" type="datetimeFigureOut">
               <a:rPr lang="en-US" smtClean="0"/>
-              <a:t>1/31/2025</a:t>
+              <a:t>2/1/2025</a:t>
             </a:fld>
             <a:endParaRPr lang="en-US"/>
           </a:p>
@@ -2644,7 +2645,7 @@
           <a:p>
             <a:fld id="{E749822F-7F73-4D01-BCAC-1F82D491747C}" type="datetimeFigureOut">
               <a:rPr lang="en-US" smtClean="0"/>
-              <a:t>1/31/2025</a:t>
+              <a:t>2/1/2025</a:t>
             </a:fld>
             <a:endParaRPr lang="en-US"/>
           </a:p>
@@ -2912,7 +2913,7 @@
           <a:p>
             <a:fld id="{E749822F-7F73-4D01-BCAC-1F82D491747C}" type="datetimeFigureOut">
               <a:rPr lang="en-US" smtClean="0"/>
-              <a:t>1/31/2025</a:t>
+              <a:t>2/1/2025</a:t>
             </a:fld>
             <a:endParaRPr lang="en-US"/>
           </a:p>
@@ -3327,7 +3328,7 @@
           <a:p>
             <a:fld id="{E749822F-7F73-4D01-BCAC-1F82D491747C}" type="datetimeFigureOut">
               <a:rPr lang="en-US" smtClean="0"/>
-              <a:t>1/31/2025</a:t>
+              <a:t>2/1/2025</a:t>
             </a:fld>
             <a:endParaRPr lang="en-US"/>
           </a:p>
@@ -3469,7 +3470,7 @@
           <a:p>
             <a:fld id="{E749822F-7F73-4D01-BCAC-1F82D491747C}" type="datetimeFigureOut">
               <a:rPr lang="en-US" smtClean="0"/>
-              <a:t>1/31/2025</a:t>
+              <a:t>2/1/2025</a:t>
             </a:fld>
             <a:endParaRPr lang="en-US"/>
           </a:p>
@@ -3582,7 +3583,7 @@
           <a:p>
             <a:fld id="{E749822F-7F73-4D01-BCAC-1F82D491747C}" type="datetimeFigureOut">
               <a:rPr lang="en-US" smtClean="0"/>
-              <a:t>1/31/2025</a:t>
+              <a:t>2/1/2025</a:t>
             </a:fld>
             <a:endParaRPr lang="en-US"/>
           </a:p>
@@ -3895,7 +3896,7 @@
           <a:p>
             <a:fld id="{E749822F-7F73-4D01-BCAC-1F82D491747C}" type="datetimeFigureOut">
               <a:rPr lang="en-US" smtClean="0"/>
-              <a:t>1/31/2025</a:t>
+              <a:t>2/1/2025</a:t>
             </a:fld>
             <a:endParaRPr lang="en-US"/>
           </a:p>
@@ -4184,7 +4185,7 @@
           <a:p>
             <a:fld id="{E749822F-7F73-4D01-BCAC-1F82D491747C}" type="datetimeFigureOut">
               <a:rPr lang="en-US" smtClean="0"/>
-              <a:t>1/31/2025</a:t>
+              <a:t>2/1/2025</a:t>
             </a:fld>
             <a:endParaRPr lang="en-US"/>
           </a:p>
@@ -4427,7 +4428,7 @@
           <a:p>
             <a:fld id="{E749822F-7F73-4D01-BCAC-1F82D491747C}" type="datetimeFigureOut">
               <a:rPr lang="en-US" smtClean="0"/>
-              <a:t>1/31/2025</a:t>
+              <a:t>2/1/2025</a:t>
             </a:fld>
             <a:endParaRPr lang="en-US"/>
           </a:p>
@@ -24736,6 +24737,298 @@
 </p:sld>
 </file>
 
+<file path=ppt/slides/slide28.xml><?xml version="1.0" encoding="utf-8"?>
+<p:sld xmlns:a="http://schemas.openxmlformats.org/drawingml/2006/main" xmlns:r="http://schemas.openxmlformats.org/officeDocument/2006/relationships" xmlns:p="http://schemas.openxmlformats.org/presentationml/2006/main">
+  <p:cSld>
+    <p:spTree>
+      <p:nvGrpSpPr>
+        <p:cNvPr id="1" name=""/>
+        <p:cNvGrpSpPr/>
+        <p:nvPr/>
+      </p:nvGrpSpPr>
+      <p:grpSpPr>
+        <a:xfrm>
+          <a:off x="0" y="0"/>
+          <a:ext cx="0" cy="0"/>
+          <a:chOff x="0" y="0"/>
+          <a:chExt cx="0" cy="0"/>
+        </a:xfrm>
+      </p:grpSpPr>
+      <p:grpSp>
+        <p:nvGrpSpPr>
+          <p:cNvPr id="14" name="Group 13">
+            <a:extLst>
+              <a:ext uri="{FF2B5EF4-FFF2-40B4-BE49-F238E27FC236}">
+                <a16:creationId xmlns:a16="http://schemas.microsoft.com/office/drawing/2014/main" id="{3FAB2405-6A86-0FFC-2B4B-2CF37AB23DEE}"/>
+              </a:ext>
+            </a:extLst>
+          </p:cNvPr>
+          <p:cNvGrpSpPr/>
+          <p:nvPr/>
+        </p:nvGrpSpPr>
+        <p:grpSpPr>
+          <a:xfrm>
+            <a:off x="877327" y="1658393"/>
+            <a:ext cx="8002513" cy="2453837"/>
+            <a:chOff x="1456447" y="1739673"/>
+            <a:chExt cx="8002513" cy="2453837"/>
+          </a:xfrm>
+        </p:grpSpPr>
+        <p:grpSp>
+          <p:nvGrpSpPr>
+            <p:cNvPr id="12" name="Group 11">
+              <a:extLst>
+                <a:ext uri="{FF2B5EF4-FFF2-40B4-BE49-F238E27FC236}">
+                  <a16:creationId xmlns:a16="http://schemas.microsoft.com/office/drawing/2014/main" id="{6C8C7621-D5D9-3C29-CBD8-E64BC470A9C0}"/>
+                </a:ext>
+              </a:extLst>
+            </p:cNvPr>
+            <p:cNvGrpSpPr/>
+            <p:nvPr/>
+          </p:nvGrpSpPr>
+          <p:grpSpPr>
+            <a:xfrm>
+              <a:off x="1456447" y="1739673"/>
+              <a:ext cx="8002513" cy="1862048"/>
+              <a:chOff x="1527567" y="2400072"/>
+              <a:chExt cx="8002513" cy="1862048"/>
+            </a:xfrm>
+          </p:grpSpPr>
+          <p:sp>
+            <p:nvSpPr>
+              <p:cNvPr id="2" name="Rectangle 1">
+                <a:extLst>
+                  <a:ext uri="{FF2B5EF4-FFF2-40B4-BE49-F238E27FC236}">
+                    <a16:creationId xmlns:a16="http://schemas.microsoft.com/office/drawing/2014/main" id="{FDFDC348-6A72-E2DC-9404-A6D6123F388D}"/>
+                  </a:ext>
+                </a:extLst>
+              </p:cNvPr>
+              <p:cNvSpPr/>
+              <p:nvPr/>
+            </p:nvSpPr>
+            <p:spPr>
+              <a:xfrm>
+                <a:off x="1527567" y="2400072"/>
+                <a:ext cx="8002513" cy="1862048"/>
+              </a:xfrm>
+              <a:prstGeom prst="rect">
+                <a:avLst/>
+              </a:prstGeom>
+              <a:noFill/>
+            </p:spPr>
+            <p:txBody>
+              <a:bodyPr wrap="square" lIns="91440" tIns="45720" rIns="91440" bIns="45720">
+                <a:spAutoFit/>
+              </a:bodyPr>
+              <a:lstStyle/>
+              <a:p>
+                <a:pPr algn="ctr"/>
+                <a:r>
+                  <a:rPr lang="en-US" sz="11500" b="1" cap="none" spc="0" dirty="0">
+                    <a:ln w="13462">
+                      <a:solidFill>
+                        <a:schemeClr val="bg1"/>
+                      </a:solidFill>
+                      <a:prstDash val="solid"/>
+                    </a:ln>
+                    <a:solidFill>
+                      <a:schemeClr val="tx1">
+                        <a:lumMod val="85000"/>
+                        <a:lumOff val="15000"/>
+                      </a:schemeClr>
+                    </a:solidFill>
+                    <a:effectLst>
+                      <a:outerShdw dist="38100" dir="2700000" algn="bl" rotWithShape="0">
+                        <a:schemeClr val="accent5"/>
+                      </a:outerShdw>
+                    </a:effectLst>
+                    <a:latin typeface="Gill Sans Ultra Bold Condensed" panose="020B0A06020104020203" pitchFamily="34" charset="0"/>
+                  </a:rPr>
+                  <a:t>DR     M</a:t>
+                </a:r>
+              </a:p>
+            </p:txBody>
+          </p:sp>
+          <p:pic>
+            <p:nvPicPr>
+              <p:cNvPr id="4" name="Picture 3">
+                <a:extLst>
+                  <a:ext uri="{FF2B5EF4-FFF2-40B4-BE49-F238E27FC236}">
+                    <a16:creationId xmlns:a16="http://schemas.microsoft.com/office/drawing/2014/main" id="{1336973C-B8CA-ED50-669F-879CDF5A6C8F}"/>
+                  </a:ext>
+                </a:extLst>
+              </p:cNvPr>
+              <p:cNvPicPr>
+                <a:picLocks noChangeAspect="1"/>
+              </p:cNvPicPr>
+              <p:nvPr/>
+            </p:nvPicPr>
+            <p:blipFill>
+              <a:blip r:embed="rId2">
+                <a:extLst>
+                  <a:ext uri="{28A0092B-C50C-407E-A947-70E740481C1C}">
+                    <a14:useLocalDpi xmlns:a14="http://schemas.microsoft.com/office/drawing/2010/main" val="0"/>
+                  </a:ext>
+                </a:extLst>
+              </a:blip>
+              <a:stretch>
+                <a:fillRect/>
+              </a:stretch>
+            </p:blipFill>
+            <p:spPr>
+              <a:xfrm>
+                <a:off x="4599712" y="2636066"/>
+                <a:ext cx="1374368" cy="1374368"/>
+              </a:xfrm>
+              <a:prstGeom prst="rect">
+                <a:avLst/>
+              </a:prstGeom>
+            </p:spPr>
+          </p:pic>
+          <p:pic>
+            <p:nvPicPr>
+              <p:cNvPr id="5" name="Picture 4">
+                <a:extLst>
+                  <a:ext uri="{FF2B5EF4-FFF2-40B4-BE49-F238E27FC236}">
+                    <a16:creationId xmlns:a16="http://schemas.microsoft.com/office/drawing/2014/main" id="{DB74A08E-5F59-B2F5-5927-46BBA5DCB865}"/>
+                  </a:ext>
+                </a:extLst>
+              </p:cNvPr>
+              <p:cNvPicPr>
+                <a:picLocks noChangeAspect="1"/>
+              </p:cNvPicPr>
+              <p:nvPr/>
+            </p:nvPicPr>
+            <p:blipFill>
+              <a:blip r:embed="rId2">
+                <a:extLst>
+                  <a:ext uri="{28A0092B-C50C-407E-A947-70E740481C1C}">
+                    <a14:useLocalDpi xmlns:a14="http://schemas.microsoft.com/office/drawing/2010/main" val="0"/>
+                  </a:ext>
+                </a:extLst>
+              </a:blip>
+              <a:stretch>
+                <a:fillRect/>
+              </a:stretch>
+            </p:blipFill>
+            <p:spPr>
+              <a:xfrm>
+                <a:off x="5829072" y="2604041"/>
+                <a:ext cx="1374368" cy="1374368"/>
+              </a:xfrm>
+              <a:prstGeom prst="rect">
+                <a:avLst/>
+              </a:prstGeom>
+            </p:spPr>
+          </p:pic>
+        </p:grpSp>
+        <p:cxnSp>
+          <p:nvCxnSpPr>
+            <p:cNvPr id="10" name="Straight Connector 9">
+              <a:extLst>
+                <a:ext uri="{FF2B5EF4-FFF2-40B4-BE49-F238E27FC236}">
+                  <a16:creationId xmlns:a16="http://schemas.microsoft.com/office/drawing/2014/main" id="{2D165908-3135-0508-A96F-89547298F73B}"/>
+                </a:ext>
+              </a:extLst>
+            </p:cNvPr>
+            <p:cNvCxnSpPr>
+              <a:cxnSpLocks/>
+            </p:cNvCxnSpPr>
+            <p:nvPr/>
+          </p:nvCxnSpPr>
+          <p:spPr>
+            <a:xfrm>
+              <a:off x="2712720" y="3404887"/>
+              <a:ext cx="5567680" cy="0"/>
+            </a:xfrm>
+            <a:prstGeom prst="line">
+              <a:avLst/>
+            </a:prstGeom>
+            <a:ln w="57150"/>
+          </p:spPr>
+          <p:style>
+            <a:lnRef idx="2">
+              <a:schemeClr val="accent1"/>
+            </a:lnRef>
+            <a:fillRef idx="0">
+              <a:schemeClr val="accent1"/>
+            </a:fillRef>
+            <a:effectRef idx="1">
+              <a:schemeClr val="accent1"/>
+            </a:effectRef>
+            <a:fontRef idx="minor">
+              <a:schemeClr val="tx1"/>
+            </a:fontRef>
+          </p:style>
+        </p:cxnSp>
+        <p:sp>
+          <p:nvSpPr>
+            <p:cNvPr id="11" name="Rectangle 10">
+              <a:extLst>
+                <a:ext uri="{FF2B5EF4-FFF2-40B4-BE49-F238E27FC236}">
+                  <a16:creationId xmlns:a16="http://schemas.microsoft.com/office/drawing/2014/main" id="{08B5F930-9957-1C0B-C47A-7F1B41FF9834}"/>
+                </a:ext>
+              </a:extLst>
+            </p:cNvPr>
+            <p:cNvSpPr/>
+            <p:nvPr/>
+          </p:nvSpPr>
+          <p:spPr>
+            <a:xfrm>
+              <a:off x="5404195" y="3408680"/>
+              <a:ext cx="184730" cy="784830"/>
+            </a:xfrm>
+            <a:prstGeom prst="rect">
+              <a:avLst/>
+            </a:prstGeom>
+            <a:noFill/>
+          </p:spPr>
+          <p:txBody>
+            <a:bodyPr wrap="none" lIns="91440" tIns="45720" rIns="91440" bIns="45720">
+              <a:spAutoFit/>
+            </a:bodyPr>
+            <a:lstStyle/>
+            <a:p>
+              <a:pPr algn="ctr"/>
+              <a:endParaRPr lang="en-US" sz="4500" b="1" cap="none" spc="0" dirty="0">
+                <a:ln w="13462">
+                  <a:solidFill>
+                    <a:schemeClr val="bg1"/>
+                  </a:solidFill>
+                  <a:prstDash val="solid"/>
+                </a:ln>
+                <a:solidFill>
+                  <a:schemeClr val="tx1">
+                    <a:lumMod val="85000"/>
+                    <a:lumOff val="15000"/>
+                  </a:schemeClr>
+                </a:solidFill>
+                <a:effectLst>
+                  <a:outerShdw dist="38100" dir="2700000" algn="bl" rotWithShape="0">
+                    <a:schemeClr val="accent5"/>
+                  </a:outerShdw>
+                </a:effectLst>
+                <a:latin typeface="Bookman Old Style" panose="02050604050505020204" pitchFamily="18" charset="0"/>
+                <a:ea typeface="ADLaM Display" panose="02010000000000000000" pitchFamily="2" charset="0"/>
+                <a:cs typeface="ADLaM Display" panose="02010000000000000000" pitchFamily="2" charset="0"/>
+              </a:endParaRPr>
+            </a:p>
+          </p:txBody>
+        </p:sp>
+      </p:grpSp>
+    </p:spTree>
+    <p:extLst>
+      <p:ext uri="{BB962C8B-B14F-4D97-AF65-F5344CB8AC3E}">
+        <p14:creationId xmlns:p14="http://schemas.microsoft.com/office/powerpoint/2010/main" val="1247754428"/>
+      </p:ext>
+    </p:extLst>
+  </p:cSld>
+  <p:clrMapOvr>
+    <a:masterClrMapping/>
+  </p:clrMapOvr>
+</p:sld>
+</file>
+
 <file path=ppt/slides/slide3.xml><?xml version="1.0" encoding="utf-8"?>
 <p:sld xmlns:a="http://schemas.openxmlformats.org/drawingml/2006/main" xmlns:r="http://schemas.openxmlformats.org/officeDocument/2006/relationships" xmlns:p="http://schemas.openxmlformats.org/presentationml/2006/main">
   <p:cSld>
@@ -27808,7 +28101,9 @@
                   </a:solidFill>
                   <a:prstDash val="solid"/>
                 </a:ln>
-                <a:noFill/>
+                <a:solidFill>
+                  <a:schemeClr val="bg1"/>
+                </a:solidFill>
                 <a:effectLst/>
                 <a:latin typeface="ADLaM Display" panose="02010000000000000000" pitchFamily="2" charset="0"/>
                 <a:ea typeface="ADLaM Display" panose="02010000000000000000" pitchFamily="2" charset="0"/>
